--- a/materials/slides/ch06-overload.pptx
+++ b/materials/slides/ch06-overload.pptx
@@ -173,7 +173,18 @@
   </p:defaultTextStyle>
   <p:extLst>
     <p:ext uri="{EFAFB233-063F-42B5-8137-9DF3F51BA10A}">
-      <p15:sldGuideLst xmlns:p15="http://schemas.microsoft.com/office/powerpoint/2012/main" xmlns=""/>
+      <p15:sldGuideLst xmlns:p15="http://schemas.microsoft.com/office/powerpoint/2012/main">
+        <p15:guide id="1" orient="horz" pos="2160">
+          <p15:clr>
+            <a:srgbClr val="A4A3A4"/>
+          </p15:clr>
+        </p15:guide>
+        <p15:guide id="2" pos="3839">
+          <p15:clr>
+            <a:srgbClr val="A4A3A4"/>
+          </p15:clr>
+        </p15:guide>
+      </p15:sldGuideLst>
     </p:ext>
   </p:extLst>
 </p:presentation>
@@ -261,7 +272,7 @@
           <a:p>
             <a:fld id="{1AC763DE-CC84-4058-BD62-4687DC7FF9D4}" type="datetimeFigureOut">
               <a:rPr lang="zh-CN" altLang="en-US" smtClean="0"/>
-              <a:t>2017/8/19</a:t>
+              <a:t>2017/8/22</a:t>
             </a:fld>
             <a:endParaRPr lang="zh-CN" altLang="en-US"/>
           </a:p>
@@ -2591,7 +2602,7 @@
         <p:spPr>
           <a:xfrm>
             <a:off x="7516049" y="4570995"/>
-            <a:ext cx="3706464" cy="461665"/>
+            <a:ext cx="3797835" cy="461665"/>
           </a:xfrm>
           <a:prstGeom prst="rect">
             <a:avLst/>
@@ -2605,7 +2616,7 @@
           <a:lstStyle/>
           <a:p>
             <a:r>
-              <a:rPr lang="zh-CN" altLang="en-US" sz="2400" b="0" dirty="0" smtClean="0">
+              <a:rPr lang="zh-CN" altLang="en-US" sz="2400" b="0" smtClean="0">
                 <a:solidFill>
                   <a:schemeClr val="accent5">
                     <a:lumMod val="50000"/>
@@ -2614,10 +2625,10 @@
                 <a:latin typeface="微软雅黑" panose="020B0503020204020204" pitchFamily="34" charset="-122"/>
                 <a:ea typeface="微软雅黑" panose="020B0503020204020204" pitchFamily="34" charset="-122"/>
               </a:rPr>
-              <a:t>基础课教研室</a:t>
-            </a:r>
-            <a:r>
-              <a:rPr lang="en-US" altLang="zh-CN" sz="2400" b="0" dirty="0" smtClean="0">
+              <a:t>基础课</a:t>
+            </a:r>
+            <a:r>
+              <a:rPr lang="zh-CN" altLang="en-US" sz="2400" b="0" smtClean="0">
                 <a:solidFill>
                   <a:schemeClr val="accent5">
                     <a:lumMod val="50000"/>
@@ -2626,7 +2637,31 @@
                 <a:latin typeface="微软雅黑" panose="020B0503020204020204" pitchFamily="34" charset="-122"/>
                 <a:ea typeface="微软雅黑" panose="020B0503020204020204" pitchFamily="34" charset="-122"/>
               </a:rPr>
-              <a:t>C++ </a:t>
+              <a:t>教研室 </a:t>
+            </a:r>
+            <a:r>
+              <a:rPr lang="en-US" altLang="zh-CN" sz="2400" b="0" smtClean="0">
+                <a:solidFill>
+                  <a:schemeClr val="accent5">
+                    <a:lumMod val="50000"/>
+                  </a:schemeClr>
+                </a:solidFill>
+                <a:latin typeface="微软雅黑" panose="020B0503020204020204" pitchFamily="34" charset="-122"/>
+                <a:ea typeface="微软雅黑" panose="020B0503020204020204" pitchFamily="34" charset="-122"/>
+              </a:rPr>
+              <a:t>C</a:t>
+            </a:r>
+            <a:r>
+              <a:rPr lang="en-US" altLang="zh-CN" sz="2400" b="0" dirty="0" smtClean="0">
+                <a:solidFill>
+                  <a:schemeClr val="accent5">
+                    <a:lumMod val="50000"/>
+                  </a:schemeClr>
+                </a:solidFill>
+                <a:latin typeface="微软雅黑" panose="020B0503020204020204" pitchFamily="34" charset="-122"/>
+                <a:ea typeface="微软雅黑" panose="020B0503020204020204" pitchFamily="34" charset="-122"/>
+              </a:rPr>
+              <a:t>++ </a:t>
             </a:r>
             <a:r>
               <a:rPr lang="zh-CN" altLang="en-US" sz="2400" b="0" dirty="0" smtClean="0">
@@ -10408,7 +10443,7 @@
           <a:p>
             <a:fld id="{C764DE79-268F-4C1A-8933-263129D2AF90}" type="datetimeFigureOut">
               <a:rPr lang="en-US" dirty="0"/>
-              <a:t>8/19/2017</a:t>
+              <a:t>8/22/2017</a:t>
             </a:fld>
             <a:endParaRPr lang="en-US" dirty="0"/>
           </a:p>
@@ -12409,7 +12444,7 @@
           <a:p>
             <a:fld id="{C764DE79-268F-4C1A-8933-263129D2AF90}" type="datetimeFigureOut">
               <a:rPr lang="en-US" dirty="0"/>
-              <a:t>8/19/2017</a:t>
+              <a:t>8/22/2017</a:t>
             </a:fld>
             <a:endParaRPr lang="en-US" dirty="0"/>
           </a:p>
@@ -16927,14 +16962,14 @@
                 <a:gridCol w="2143125">
                   <a:extLst>
                     <a:ext uri="{9D8B030D-6E8A-4147-A177-3AD203B41FA5}">
-                      <a16:colId xmlns:a16="http://schemas.microsoft.com/office/drawing/2014/main" xmlns="" val="20000"/>
+                      <a16:colId xmlns:a16="http://schemas.microsoft.com/office/drawing/2014/main" val="20000"/>
                     </a:ext>
                   </a:extLst>
                 </a:gridCol>
                 <a:gridCol w="2357437">
                   <a:extLst>
                     <a:ext uri="{9D8B030D-6E8A-4147-A177-3AD203B41FA5}">
-                      <a16:colId xmlns:a16="http://schemas.microsoft.com/office/drawing/2014/main" xmlns="" val="20001"/>
+                      <a16:colId xmlns:a16="http://schemas.microsoft.com/office/drawing/2014/main" val="20001"/>
                     </a:ext>
                   </a:extLst>
                 </a:gridCol>
@@ -17114,7 +17149,7 @@
                 </a:tc>
                 <a:extLst>
                   <a:ext uri="{0D108BD9-81ED-4DB2-BD59-A6C34878D82A}">
-                    <a16:rowId xmlns:a16="http://schemas.microsoft.com/office/drawing/2014/main" xmlns="" val="10000"/>
+                    <a16:rowId xmlns:a16="http://schemas.microsoft.com/office/drawing/2014/main" val="10000"/>
                   </a:ext>
                 </a:extLst>
               </a:tr>
@@ -17298,7 +17333,7 @@
                 </a:tc>
                 <a:extLst>
                   <a:ext uri="{0D108BD9-81ED-4DB2-BD59-A6C34878D82A}">
-                    <a16:rowId xmlns:a16="http://schemas.microsoft.com/office/drawing/2014/main" xmlns="" val="10001"/>
+                    <a16:rowId xmlns:a16="http://schemas.microsoft.com/office/drawing/2014/main" val="10001"/>
                   </a:ext>
                 </a:extLst>
               </a:tr>
@@ -17482,7 +17517,7 @@
                 </a:tc>
                 <a:extLst>
                   <a:ext uri="{0D108BD9-81ED-4DB2-BD59-A6C34878D82A}">
-                    <a16:rowId xmlns:a16="http://schemas.microsoft.com/office/drawing/2014/main" xmlns="" val="10002"/>
+                    <a16:rowId xmlns:a16="http://schemas.microsoft.com/office/drawing/2014/main" val="10002"/>
                   </a:ext>
                 </a:extLst>
               </a:tr>
@@ -17635,7 +17670,7 @@
                 </a:tc>
                 <a:extLst>
                   <a:ext uri="{0D108BD9-81ED-4DB2-BD59-A6C34878D82A}">
-                    <a16:rowId xmlns:a16="http://schemas.microsoft.com/office/drawing/2014/main" xmlns="" val="10003"/>
+                    <a16:rowId xmlns:a16="http://schemas.microsoft.com/office/drawing/2014/main" val="10003"/>
                   </a:ext>
                 </a:extLst>
               </a:tr>
@@ -17788,7 +17823,7 @@
                 </a:tc>
                 <a:extLst>
                   <a:ext uri="{0D108BD9-81ED-4DB2-BD59-A6C34878D82A}">
-                    <a16:rowId xmlns:a16="http://schemas.microsoft.com/office/drawing/2014/main" xmlns="" val="10004"/>
+                    <a16:rowId xmlns:a16="http://schemas.microsoft.com/office/drawing/2014/main" val="10004"/>
                   </a:ext>
                 </a:extLst>
               </a:tr>
@@ -40741,32 +40776,38 @@
                 <a:gridCol w="984144">
                   <a:extLst>
                     <a:ext uri="{9D8B030D-6E8A-4147-A177-3AD203B41FA5}">
-                      <a16:colId xmlns:a16="http://schemas.microsoft.com/office/drawing/2014/main" xmlns="" val="20000"/>
+                      <a16:colId xmlns:a16="http://schemas.microsoft.com/office/drawing/2014/main" val="20000"/>
                     </a:ext>
                   </a:extLst>
                 </a:gridCol>
                 <a:gridCol w="1312189">
                   <a:extLst>
                     <a:ext uri="{9D8B030D-6E8A-4147-A177-3AD203B41FA5}">
-                      <a16:colId xmlns:a16="http://schemas.microsoft.com/office/drawing/2014/main" xmlns="" val="20001"/>
+                      <a16:colId xmlns:a16="http://schemas.microsoft.com/office/drawing/2014/main" val="20001"/>
                     </a:ext>
                   </a:extLst>
                 </a:gridCol>
                 <a:gridCol w="1312189">
                   <a:extLst>
                     <a:ext uri="{9D8B030D-6E8A-4147-A177-3AD203B41FA5}">
-                      <a16:colId xmlns:a16="http://schemas.microsoft.com/office/drawing/2014/main" xmlns="" val="20002"/>
+                      <a16:colId xmlns:a16="http://schemas.microsoft.com/office/drawing/2014/main" val="20002"/>
                     </a:ext>
                   </a:extLst>
                 </a:gridCol>
                 <a:gridCol w="1421538">
                   <a:extLst>
                     <a:ext uri="{9D8B030D-6E8A-4147-A177-3AD203B41FA5}">
-                      <a16:colId xmlns:a16="http://schemas.microsoft.com/office/drawing/2014/main" xmlns="" val="20003"/>
+                      <a16:colId xmlns:a16="http://schemas.microsoft.com/office/drawing/2014/main" val="20003"/>
                     </a:ext>
                   </a:extLst>
                 </a:gridCol>
-                <a:gridCol w="1421538"/>
+                <a:gridCol w="1421538">
+                  <a:extLst>
+                    <a:ext uri="{9D8B030D-6E8A-4147-A177-3AD203B41FA5}">
+                      <a16:colId xmlns:a16="http://schemas.microsoft.com/office/drawing/2014/main" val="20004"/>
+                    </a:ext>
+                  </a:extLst>
+                </a:gridCol>
               </a:tblGrid>
               <a:tr h="223403">
                 <a:tc gridSpan="5">
@@ -40948,7 +40989,7 @@
                 </a:tc>
                 <a:extLst>
                   <a:ext uri="{0D108BD9-81ED-4DB2-BD59-A6C34878D82A}">
-                    <a16:rowId xmlns:a16="http://schemas.microsoft.com/office/drawing/2014/main" xmlns="" val="10000"/>
+                    <a16:rowId xmlns:a16="http://schemas.microsoft.com/office/drawing/2014/main" val="10000"/>
                   </a:ext>
                 </a:extLst>
               </a:tr>
@@ -41366,7 +41407,7 @@
                 </a:tc>
                 <a:extLst>
                   <a:ext uri="{0D108BD9-81ED-4DB2-BD59-A6C34878D82A}">
-                    <a16:rowId xmlns:a16="http://schemas.microsoft.com/office/drawing/2014/main" xmlns="" val="10001"/>
+                    <a16:rowId xmlns:a16="http://schemas.microsoft.com/office/drawing/2014/main" val="10001"/>
                   </a:ext>
                 </a:extLst>
               </a:tr>
@@ -45702,7 +45743,7 @@
   <a:extraClrSchemeLst/>
   <a:extLst>
     <a:ext uri="{05A4C25C-085E-4340-85A3-A5531E510DB2}">
-      <thm15:themeFamily xmlns:thm15="http://schemas.microsoft.com/office/thememl/2012/main" xmlns="" name="Office Theme" id="{62F939B6-93AF-4DB8-9C6B-D6C7DFDC589F}" vid="{4A3C46E8-61CC-4603-A589-7422A47A8E4A}"/>
+      <thm15:themeFamily xmlns:thm15="http://schemas.microsoft.com/office/thememl/2012/main" name="Office Theme" id="{62F939B6-93AF-4DB8-9C6B-D6C7DFDC589F}" vid="{4A3C46E8-61CC-4603-A589-7422A47A8E4A}"/>
     </a:ext>
   </a:extLst>
 </a:theme>
@@ -45963,7 +46004,7 @@
   <a:extraClrSchemeLst/>
   <a:extLst>
     <a:ext uri="{05A4C25C-085E-4340-85A3-A5531E510DB2}">
-      <thm15:themeFamily xmlns:thm15="http://schemas.microsoft.com/office/thememl/2012/main" xmlns="" name="Office Theme" id="{62F939B6-93AF-4DB8-9C6B-D6C7DFDC589F}" vid="{4A3C46E8-61CC-4603-A589-7422A47A8E4A}"/>
+      <thm15:themeFamily xmlns:thm15="http://schemas.microsoft.com/office/thememl/2012/main" name="Office Theme" id="{62F939B6-93AF-4DB8-9C6B-D6C7DFDC589F}" vid="{4A3C46E8-61CC-4603-A589-7422A47A8E4A}"/>
     </a:ext>
   </a:extLst>
 </a:theme>
